--- a/overpotential_current.pptx
+++ b/overpotential_current.pptx
@@ -6,6 +6,7 @@
   </p:sldMasterIdLst>
   <p:sldIdLst>
     <p:sldId id="256" r:id="rId2"/>
+    <p:sldId id="257" r:id="rId3"/>
   </p:sldIdLst>
   <p:sldSz cx="12192000" cy="6858000"/>
   <p:notesSz cx="6858000" cy="9144000"/>
@@ -104,6 +105,11 @@
       </a:defRPr>
     </a:lvl9pPr>
   </p:defaultTextStyle>
+  <p:extLst>
+    <p:ext uri="{EFAFB233-063F-42B5-8137-9DF3F51BA10A}">
+      <p15:sldGuideLst xmlns:p15="http://schemas.microsoft.com/office/powerpoint/2012/main"/>
+    </p:ext>
+  </p:extLst>
 </p:presentation>
 </file>
 
@@ -238,7 +244,7 @@
           <a:p>
             <a:fld id="{96C1042C-726F-4AC7-9A6B-D4465D354836}" type="datetimeFigureOut">
               <a:rPr lang="de-DE" smtClean="0"/>
-              <a:t>16.05.2017</a:t>
+              <a:t>31.05.2017</a:t>
             </a:fld>
             <a:endParaRPr lang="de-DE"/>
           </a:p>
@@ -408,7 +414,7 @@
           <a:p>
             <a:fld id="{96C1042C-726F-4AC7-9A6B-D4465D354836}" type="datetimeFigureOut">
               <a:rPr lang="de-DE" smtClean="0"/>
-              <a:t>16.05.2017</a:t>
+              <a:t>31.05.2017</a:t>
             </a:fld>
             <a:endParaRPr lang="de-DE"/>
           </a:p>
@@ -588,7 +594,7 @@
           <a:p>
             <a:fld id="{96C1042C-726F-4AC7-9A6B-D4465D354836}" type="datetimeFigureOut">
               <a:rPr lang="de-DE" smtClean="0"/>
-              <a:t>16.05.2017</a:t>
+              <a:t>31.05.2017</a:t>
             </a:fld>
             <a:endParaRPr lang="de-DE"/>
           </a:p>
@@ -758,7 +764,7 @@
           <a:p>
             <a:fld id="{96C1042C-726F-4AC7-9A6B-D4465D354836}" type="datetimeFigureOut">
               <a:rPr lang="de-DE" smtClean="0"/>
-              <a:t>16.05.2017</a:t>
+              <a:t>31.05.2017</a:t>
             </a:fld>
             <a:endParaRPr lang="de-DE"/>
           </a:p>
@@ -1004,7 +1010,7 @@
           <a:p>
             <a:fld id="{96C1042C-726F-4AC7-9A6B-D4465D354836}" type="datetimeFigureOut">
               <a:rPr lang="de-DE" smtClean="0"/>
-              <a:t>16.05.2017</a:t>
+              <a:t>31.05.2017</a:t>
             </a:fld>
             <a:endParaRPr lang="de-DE"/>
           </a:p>
@@ -1236,7 +1242,7 @@
           <a:p>
             <a:fld id="{96C1042C-726F-4AC7-9A6B-D4465D354836}" type="datetimeFigureOut">
               <a:rPr lang="de-DE" smtClean="0"/>
-              <a:t>16.05.2017</a:t>
+              <a:t>31.05.2017</a:t>
             </a:fld>
             <a:endParaRPr lang="de-DE"/>
           </a:p>
@@ -1603,7 +1609,7 @@
           <a:p>
             <a:fld id="{96C1042C-726F-4AC7-9A6B-D4465D354836}" type="datetimeFigureOut">
               <a:rPr lang="de-DE" smtClean="0"/>
-              <a:t>16.05.2017</a:t>
+              <a:t>31.05.2017</a:t>
             </a:fld>
             <a:endParaRPr lang="de-DE"/>
           </a:p>
@@ -1721,7 +1727,7 @@
           <a:p>
             <a:fld id="{96C1042C-726F-4AC7-9A6B-D4465D354836}" type="datetimeFigureOut">
               <a:rPr lang="de-DE" smtClean="0"/>
-              <a:t>16.05.2017</a:t>
+              <a:t>31.05.2017</a:t>
             </a:fld>
             <a:endParaRPr lang="de-DE"/>
           </a:p>
@@ -1816,7 +1822,7 @@
           <a:p>
             <a:fld id="{96C1042C-726F-4AC7-9A6B-D4465D354836}" type="datetimeFigureOut">
               <a:rPr lang="de-DE" smtClean="0"/>
-              <a:t>16.05.2017</a:t>
+              <a:t>31.05.2017</a:t>
             </a:fld>
             <a:endParaRPr lang="de-DE"/>
           </a:p>
@@ -2093,7 +2099,7 @@
           <a:p>
             <a:fld id="{96C1042C-726F-4AC7-9A6B-D4465D354836}" type="datetimeFigureOut">
               <a:rPr lang="de-DE" smtClean="0"/>
-              <a:t>16.05.2017</a:t>
+              <a:t>31.05.2017</a:t>
             </a:fld>
             <a:endParaRPr lang="de-DE"/>
           </a:p>
@@ -2346,7 +2352,7 @@
           <a:p>
             <a:fld id="{96C1042C-726F-4AC7-9A6B-D4465D354836}" type="datetimeFigureOut">
               <a:rPr lang="de-DE" smtClean="0"/>
-              <a:t>16.05.2017</a:t>
+              <a:t>31.05.2017</a:t>
             </a:fld>
             <a:endParaRPr lang="de-DE"/>
           </a:p>
@@ -2559,7 +2565,7 @@
           <a:p>
             <a:fld id="{96C1042C-726F-4AC7-9A6B-D4465D354836}" type="datetimeFigureOut">
               <a:rPr lang="de-DE" smtClean="0"/>
-              <a:t>16.05.2017</a:t>
+              <a:t>31.05.2017</a:t>
             </a:fld>
             <a:endParaRPr lang="de-DE"/>
           </a:p>
@@ -2964,8 +2970,8 @@
           <a:chExt cx="0" cy="0"/>
         </a:xfrm>
       </p:grpSpPr>
-      <mc:AlternateContent xmlns:mc="http://schemas.openxmlformats.org/markup-compatibility/2006">
-        <mc:Choice xmlns:a14="http://schemas.microsoft.com/office/drawing/2010/main" Requires="a14">
+      <mc:AlternateContent xmlns:mc="http://schemas.openxmlformats.org/markup-compatibility/2006" xmlns:a14="http://schemas.microsoft.com/office/drawing/2010/main">
+        <mc:Choice Requires="a14">
           <p:sp>
             <p:nvSpPr>
               <p:cNvPr id="4" name="Textfeld 3"/>
@@ -3227,7 +3233,7 @@
             </p:txBody>
           </p:sp>
         </mc:Choice>
-        <mc:Fallback>
+        <mc:Fallback xmlns="">
           <p:sp>
             <p:nvSpPr>
               <p:cNvPr id="4" name="Textfeld 3"/>
@@ -3266,8 +3272,8 @@
           </p:sp>
         </mc:Fallback>
       </mc:AlternateContent>
-      <mc:AlternateContent xmlns:mc="http://schemas.openxmlformats.org/markup-compatibility/2006">
-        <mc:Choice xmlns:a14="http://schemas.microsoft.com/office/drawing/2010/main" Requires="a14">
+      <mc:AlternateContent xmlns:mc="http://schemas.openxmlformats.org/markup-compatibility/2006" xmlns:a14="http://schemas.microsoft.com/office/drawing/2010/main">
+        <mc:Choice Requires="a14">
           <p:sp>
             <p:nvSpPr>
               <p:cNvPr id="5" name="Textfeld 4"/>
@@ -3696,7 +3702,7 @@
             </p:txBody>
           </p:sp>
         </mc:Choice>
-        <mc:Fallback>
+        <mc:Fallback xmlns="">
           <p:sp>
             <p:nvSpPr>
               <p:cNvPr id="5" name="Textfeld 4"/>
@@ -3735,8 +3741,8 @@
           </p:sp>
         </mc:Fallback>
       </mc:AlternateContent>
-      <mc:AlternateContent xmlns:mc="http://schemas.openxmlformats.org/markup-compatibility/2006">
-        <mc:Choice xmlns:a14="http://schemas.microsoft.com/office/drawing/2010/main" Requires="a14">
+      <mc:AlternateContent xmlns:mc="http://schemas.openxmlformats.org/markup-compatibility/2006" xmlns:a14="http://schemas.microsoft.com/office/drawing/2010/main">
+        <mc:Choice Requires="a14">
           <p:sp>
             <p:nvSpPr>
               <p:cNvPr id="6" name="Textfeld 5"/>
@@ -4170,7 +4176,7 @@
             </p:txBody>
           </p:sp>
         </mc:Choice>
-        <mc:Fallback>
+        <mc:Fallback xmlns="">
           <p:sp>
             <p:nvSpPr>
               <p:cNvPr id="6" name="Textfeld 5"/>
@@ -4209,8 +4215,8 @@
           </p:sp>
         </mc:Fallback>
       </mc:AlternateContent>
-      <mc:AlternateContent xmlns:mc="http://schemas.openxmlformats.org/markup-compatibility/2006">
-        <mc:Choice xmlns:a14="http://schemas.microsoft.com/office/drawing/2010/main" Requires="a14">
+      <mc:AlternateContent xmlns:mc="http://schemas.openxmlformats.org/markup-compatibility/2006" xmlns:a14="http://schemas.microsoft.com/office/drawing/2010/main">
+        <mc:Choice Requires="a14">
           <p:sp>
             <p:nvSpPr>
               <p:cNvPr id="7" name="Textfeld 6"/>
@@ -4699,7 +4705,7 @@
             </p:txBody>
           </p:sp>
         </mc:Choice>
-        <mc:Fallback>
+        <mc:Fallback xmlns="">
           <p:sp>
             <p:nvSpPr>
               <p:cNvPr id="7" name="Textfeld 6"/>
@@ -4738,8 +4744,8 @@
           </p:sp>
         </mc:Fallback>
       </mc:AlternateContent>
-      <mc:AlternateContent xmlns:mc="http://schemas.openxmlformats.org/markup-compatibility/2006">
-        <mc:Choice xmlns:a14="http://schemas.microsoft.com/office/drawing/2010/main" Requires="a14">
+      <mc:AlternateContent xmlns:mc="http://schemas.openxmlformats.org/markup-compatibility/2006" xmlns:a14="http://schemas.microsoft.com/office/drawing/2010/main">
+        <mc:Choice Requires="a14">
           <p:sp>
             <p:nvSpPr>
               <p:cNvPr id="8" name="Textfeld 7"/>
@@ -5228,7 +5234,7 @@
             </p:txBody>
           </p:sp>
         </mc:Choice>
-        <mc:Fallback>
+        <mc:Fallback xmlns="">
           <p:sp>
             <p:nvSpPr>
               <p:cNvPr id="8" name="Textfeld 7"/>
@@ -5679,24 +5685,36 @@
                       </m:sSub>
                       <m:r>
                         <a:rPr lang="en-US" sz="1400" b="0" i="1" smtClean="0">
+                          <a:solidFill>
+                            <a:srgbClr val="FF0000"/>
+                          </a:solidFill>
                           <a:latin typeface="Cambria Math" panose="02040503050406030204" pitchFamily="18" charset="0"/>
                         </a:rPr>
                         <m:t>𝐼</m:t>
                       </m:r>
                       <m:r>
                         <a:rPr lang="en-US" sz="1400" b="0" i="1" smtClean="0">
+                          <a:solidFill>
+                            <a:srgbClr val="FF0000"/>
+                          </a:solidFill>
                           <a:latin typeface="Cambria Math" panose="02040503050406030204" pitchFamily="18" charset="0"/>
                         </a:rPr>
                         <m:t>(</m:t>
                       </m:r>
                       <m:r>
                         <a:rPr lang="en-US" sz="1400" b="0" i="1" smtClean="0">
+                          <a:solidFill>
+                            <a:srgbClr val="FF0000"/>
+                          </a:solidFill>
                           <a:latin typeface="Cambria Math" panose="02040503050406030204" pitchFamily="18" charset="0"/>
                         </a:rPr>
                         <m:t>𝑡</m:t>
                       </m:r>
                       <m:r>
                         <a:rPr lang="en-US" sz="1400" b="0" i="1" smtClean="0">
+                          <a:solidFill>
+                            <a:srgbClr val="FF0000"/>
+                          </a:solidFill>
                           <a:latin typeface="Cambria Math" panose="02040503050406030204" pitchFamily="18" charset="0"/>
                         </a:rPr>
                         <m:t>)</m:t>
@@ -5748,8 +5766,8 @@
           </p:sp>
         </mc:Fallback>
       </mc:AlternateContent>
-      <mc:AlternateContent xmlns:mc="http://schemas.openxmlformats.org/markup-compatibility/2006">
-        <mc:Choice xmlns:a14="http://schemas.microsoft.com/office/drawing/2010/main" Requires="a14">
+      <mc:AlternateContent xmlns:mc="http://schemas.openxmlformats.org/markup-compatibility/2006" xmlns:a14="http://schemas.microsoft.com/office/drawing/2010/main">
+        <mc:Choice Requires="a14">
           <p:sp>
             <p:nvSpPr>
               <p:cNvPr id="14" name="Textfeld 13"/>
@@ -6607,7 +6625,7 @@
             </p:txBody>
           </p:sp>
         </mc:Choice>
-        <mc:Fallback>
+        <mc:Fallback xmlns="">
           <p:sp>
             <p:nvSpPr>
               <p:cNvPr id="14" name="Textfeld 13"/>
@@ -6704,7 +6722,7 @@
             <p:spPr>
               <a:xfrm>
                 <a:off x="3528770" y="4416533"/>
-                <a:ext cx="6197466" cy="557845"/>
+                <a:ext cx="7099188" cy="557845"/>
               </a:xfrm>
               <a:prstGeom prst="rect">
                 <a:avLst/>
@@ -6748,30 +6766,7 @@
                         <a:rPr lang="en-US" sz="1400" b="0" i="1" smtClean="0">
                           <a:latin typeface="Cambria Math" panose="02040503050406030204" pitchFamily="18" charset="0"/>
                         </a:rPr>
-                        <m:t>𝑉</m:t>
-                      </m:r>
-                      <m:d>
-                        <m:dPr>
-                          <m:ctrlPr>
-                            <a:rPr lang="en-US" sz="1400" b="0" i="1" smtClean="0">
-                              <a:latin typeface="Cambria Math" panose="02040503050406030204" pitchFamily="18" charset="0"/>
-                            </a:rPr>
-                          </m:ctrlPr>
-                        </m:dPr>
-                        <m:e>
-                          <m:r>
-                            <a:rPr lang="en-US" sz="1400" b="0" i="1" smtClean="0">
-                              <a:latin typeface="Cambria Math" panose="02040503050406030204" pitchFamily="18" charset="0"/>
-                            </a:rPr>
-                            <m:t>𝑡</m:t>
-                          </m:r>
-                        </m:e>
-                      </m:d>
-                      <m:r>
-                        <a:rPr lang="en-US" sz="1400" b="0" i="1" smtClean="0">
-                          <a:latin typeface="Cambria Math" panose="02040503050406030204" pitchFamily="18" charset="0"/>
-                        </a:rPr>
-                        <m:t>=</m:t>
+                        <m:t>0=</m:t>
                       </m:r>
                       <m:sSub>
                         <m:sSubPr>
@@ -6782,6 +6777,227 @@
                           </m:ctrlPr>
                         </m:sSubPr>
                         <m:e>
+                          <m:r>
+                            <a:rPr lang="en-US" sz="1400" i="1">
+                              <a:latin typeface="Cambria Math" panose="02040503050406030204" pitchFamily="18" charset="0"/>
+                            </a:rPr>
+                            <m:t>−</m:t>
+                          </m:r>
+                          <m:d>
+                            <m:dPr>
+                              <m:ctrlPr>
+                                <a:rPr lang="en-US" sz="1400" i="1">
+                                  <a:latin typeface="Cambria Math" panose="02040503050406030204" pitchFamily="18" charset="0"/>
+                                </a:rPr>
+                              </m:ctrlPr>
+                            </m:dPr>
+                            <m:e>
+                              <m:f>
+                                <m:fPr>
+                                  <m:ctrlPr>
+                                    <a:rPr lang="en-US" sz="1400" i="1">
+                                      <a:latin typeface="Cambria Math" panose="02040503050406030204" pitchFamily="18" charset="0"/>
+                                    </a:rPr>
+                                  </m:ctrlPr>
+                                </m:fPr>
+                                <m:num>
+                                  <m:sSup>
+                                    <m:sSupPr>
+                                      <m:ctrlPr>
+                                        <a:rPr lang="en-US" sz="1400" i="1">
+                                          <a:latin typeface="Cambria Math" panose="02040503050406030204" pitchFamily="18" charset="0"/>
+                                        </a:rPr>
+                                      </m:ctrlPr>
+                                    </m:sSupPr>
+                                    <m:e>
+                                      <m:r>
+                                        <a:rPr lang="en-US" sz="1400" i="1">
+                                          <a:latin typeface="Cambria Math" panose="02040503050406030204" pitchFamily="18" charset="0"/>
+                                        </a:rPr>
+                                        <m:t>𝐿</m:t>
+                                      </m:r>
+                                    </m:e>
+                                    <m:sup>
+                                      <m:r>
+                                        <a:rPr lang="en-US" sz="1400" i="1">
+                                          <a:latin typeface="Cambria Math" panose="02040503050406030204" pitchFamily="18" charset="0"/>
+                                        </a:rPr>
+                                        <m:t>+</m:t>
+                                      </m:r>
+                                    </m:sup>
+                                  </m:sSup>
+                                </m:num>
+                                <m:den>
+                                  <m:sSup>
+                                    <m:sSupPr>
+                                      <m:ctrlPr>
+                                        <a:rPr lang="en-US" sz="1400" i="1">
+                                          <a:latin typeface="Cambria Math" panose="02040503050406030204" pitchFamily="18" charset="0"/>
+                                        </a:rPr>
+                                      </m:ctrlPr>
+                                    </m:sSupPr>
+                                    <m:e>
+                                      <m:r>
+                                        <a:rPr lang="en-US" sz="1400" i="1">
+                                          <a:latin typeface="Cambria Math" panose="02040503050406030204" pitchFamily="18" charset="0"/>
+                                        </a:rPr>
+                                        <m:t>𝜎</m:t>
+                                      </m:r>
+                                    </m:e>
+                                    <m:sup>
+                                      <m:r>
+                                        <a:rPr lang="en-US" sz="1400" i="1">
+                                          <a:latin typeface="Cambria Math" panose="02040503050406030204" pitchFamily="18" charset="0"/>
+                                        </a:rPr>
+                                        <m:t>+</m:t>
+                                      </m:r>
+                                    </m:sup>
+                                  </m:sSup>
+                                </m:den>
+                              </m:f>
+                              <m:r>
+                                <a:rPr lang="en-US" sz="1400" i="1">
+                                  <a:latin typeface="Cambria Math" panose="02040503050406030204" pitchFamily="18" charset="0"/>
+                                </a:rPr>
+                                <m:t>+</m:t>
+                              </m:r>
+                              <m:f>
+                                <m:fPr>
+                                  <m:ctrlPr>
+                                    <a:rPr lang="en-US" sz="1400" i="1">
+                                      <a:latin typeface="Cambria Math" panose="02040503050406030204" pitchFamily="18" charset="0"/>
+                                    </a:rPr>
+                                  </m:ctrlPr>
+                                </m:fPr>
+                                <m:num>
+                                  <m:sSup>
+                                    <m:sSupPr>
+                                      <m:ctrlPr>
+                                        <a:rPr lang="en-US" sz="1400" i="1">
+                                          <a:latin typeface="Cambria Math" panose="02040503050406030204" pitchFamily="18" charset="0"/>
+                                        </a:rPr>
+                                      </m:ctrlPr>
+                                    </m:sSupPr>
+                                    <m:e>
+                                      <m:r>
+                                        <a:rPr lang="en-US" sz="1400" i="1">
+                                          <a:latin typeface="Cambria Math" panose="02040503050406030204" pitchFamily="18" charset="0"/>
+                                        </a:rPr>
+                                        <m:t>𝐿</m:t>
+                                      </m:r>
+                                    </m:e>
+                                    <m:sup>
+                                      <m:r>
+                                        <a:rPr lang="en-US" sz="1400" i="1">
+                                          <a:latin typeface="Cambria Math" panose="02040503050406030204" pitchFamily="18" charset="0"/>
+                                        </a:rPr>
+                                        <m:t>−</m:t>
+                                      </m:r>
+                                    </m:sup>
+                                  </m:sSup>
+                                </m:num>
+                                <m:den>
+                                  <m:sSup>
+                                    <m:sSupPr>
+                                      <m:ctrlPr>
+                                        <a:rPr lang="en-US" sz="1400" i="1">
+                                          <a:latin typeface="Cambria Math" panose="02040503050406030204" pitchFamily="18" charset="0"/>
+                                        </a:rPr>
+                                      </m:ctrlPr>
+                                    </m:sSupPr>
+                                    <m:e>
+                                      <m:r>
+                                        <a:rPr lang="en-US" sz="1400" i="1">
+                                          <a:latin typeface="Cambria Math" panose="02040503050406030204" pitchFamily="18" charset="0"/>
+                                        </a:rPr>
+                                        <m:t>𝜎</m:t>
+                                      </m:r>
+                                    </m:e>
+                                    <m:sup>
+                                      <m:r>
+                                        <a:rPr lang="en-US" sz="1400" i="1">
+                                          <a:latin typeface="Cambria Math" panose="02040503050406030204" pitchFamily="18" charset="0"/>
+                                        </a:rPr>
+                                        <m:t>−</m:t>
+                                      </m:r>
+                                    </m:sup>
+                                  </m:sSup>
+                                </m:den>
+                              </m:f>
+                              <m:r>
+                                <a:rPr lang="en-US" sz="1400" i="1">
+                                  <a:latin typeface="Cambria Math" panose="02040503050406030204" pitchFamily="18" charset="0"/>
+                                </a:rPr>
+                                <m:t>+</m:t>
+                              </m:r>
+                              <m:sSub>
+                                <m:sSubPr>
+                                  <m:ctrlPr>
+                                    <a:rPr lang="en-US" sz="1400" i="1">
+                                      <a:latin typeface="Cambria Math" panose="02040503050406030204" pitchFamily="18" charset="0"/>
+                                    </a:rPr>
+                                  </m:ctrlPr>
+                                </m:sSubPr>
+                                <m:e>
+                                  <m:r>
+                                    <a:rPr lang="en-US" sz="1400" i="1">
+                                      <a:latin typeface="Cambria Math" panose="02040503050406030204" pitchFamily="18" charset="0"/>
+                                    </a:rPr>
+                                    <m:t>𝑅</m:t>
+                                  </m:r>
+                                </m:e>
+                                <m:sub>
+                                  <m:r>
+                                    <a:rPr lang="en-US" sz="1400" i="1">
+                                      <a:latin typeface="Cambria Math" panose="02040503050406030204" pitchFamily="18" charset="0"/>
+                                    </a:rPr>
+                                    <m:t>𝐺</m:t>
+                                  </m:r>
+                                </m:sub>
+                              </m:sSub>
+                            </m:e>
+                          </m:d>
+                          <m:r>
+                            <a:rPr lang="en-US" sz="1400" i="1">
+                              <a:solidFill>
+                                <a:srgbClr val="FF0000"/>
+                              </a:solidFill>
+                              <a:latin typeface="Cambria Math" panose="02040503050406030204" pitchFamily="18" charset="0"/>
+                            </a:rPr>
+                            <m:t>𝐼</m:t>
+                          </m:r>
+                          <m:d>
+                            <m:dPr>
+                              <m:ctrlPr>
+                                <a:rPr lang="en-US" sz="1400" i="1">
+                                  <a:solidFill>
+                                    <a:srgbClr val="FF0000"/>
+                                  </a:solidFill>
+                                  <a:latin typeface="Cambria Math" panose="02040503050406030204" pitchFamily="18" charset="0"/>
+                                </a:rPr>
+                              </m:ctrlPr>
+                            </m:dPr>
+                            <m:e>
+                              <m:r>
+                                <a:rPr lang="en-US" sz="1400" i="1">
+                                  <a:solidFill>
+                                    <a:srgbClr val="FF0000"/>
+                                  </a:solidFill>
+                                  <a:latin typeface="Cambria Math" panose="02040503050406030204" pitchFamily="18" charset="0"/>
+                                </a:rPr>
+                                <m:t>𝑡</m:t>
+                              </m:r>
+                            </m:e>
+                          </m:d>
+                          <m:r>
+                            <a:rPr lang="en-US" sz="1400" b="0" i="0" smtClean="0">
+                              <a:solidFill>
+                                <a:srgbClr val="FF0000"/>
+                              </a:solidFill>
+                              <a:latin typeface="Cambria Math" panose="02040503050406030204" pitchFamily="18" charset="0"/>
+                            </a:rPr>
+                            <m:t>+</m:t>
+                          </m:r>
                           <m:r>
                             <m:rPr>
                               <m:sty m:val="p"/>
@@ -6843,187 +7059,6 @@
                           </m:r>
                           <m:r>
                             <a:rPr lang="en-US" sz="1400" b="0" i="1" smtClean="0">
-                              <a:latin typeface="Cambria Math" panose="02040503050406030204" pitchFamily="18" charset="0"/>
-                            </a:rPr>
-                            <m:t>𝑡</m:t>
-                          </m:r>
-                        </m:e>
-                      </m:d>
-                      <m:r>
-                        <a:rPr lang="en-US" sz="1400" b="0" i="1" smtClean="0">
-                          <a:latin typeface="Cambria Math" panose="02040503050406030204" pitchFamily="18" charset="0"/>
-                        </a:rPr>
-                        <m:t>−</m:t>
-                      </m:r>
-                      <m:d>
-                        <m:dPr>
-                          <m:ctrlPr>
-                            <a:rPr lang="en-US" sz="1400" b="0" i="1" smtClean="0">
-                              <a:latin typeface="Cambria Math" panose="02040503050406030204" pitchFamily="18" charset="0"/>
-                            </a:rPr>
-                          </m:ctrlPr>
-                        </m:dPr>
-                        <m:e>
-                          <m:f>
-                            <m:fPr>
-                              <m:ctrlPr>
-                                <a:rPr lang="en-US" sz="1400" b="0" i="1" smtClean="0">
-                                  <a:latin typeface="Cambria Math" panose="02040503050406030204" pitchFamily="18" charset="0"/>
-                                </a:rPr>
-                              </m:ctrlPr>
-                            </m:fPr>
-                            <m:num>
-                              <m:sSup>
-                                <m:sSupPr>
-                                  <m:ctrlPr>
-                                    <a:rPr lang="en-US" sz="1400" b="0" i="1" smtClean="0">
-                                      <a:latin typeface="Cambria Math" panose="02040503050406030204" pitchFamily="18" charset="0"/>
-                                    </a:rPr>
-                                  </m:ctrlPr>
-                                </m:sSupPr>
-                                <m:e>
-                                  <m:r>
-                                    <a:rPr lang="en-US" sz="1400" b="0" i="1" smtClean="0">
-                                      <a:latin typeface="Cambria Math" panose="02040503050406030204" pitchFamily="18" charset="0"/>
-                                    </a:rPr>
-                                    <m:t>𝐿</m:t>
-                                  </m:r>
-                                </m:e>
-                                <m:sup>
-                                  <m:r>
-                                    <a:rPr lang="en-US" sz="1400" b="0" i="1" smtClean="0">
-                                      <a:latin typeface="Cambria Math" panose="02040503050406030204" pitchFamily="18" charset="0"/>
-                                    </a:rPr>
-                                    <m:t>+</m:t>
-                                  </m:r>
-                                </m:sup>
-                              </m:sSup>
-                            </m:num>
-                            <m:den>
-                              <m:sSup>
-                                <m:sSupPr>
-                                  <m:ctrlPr>
-                                    <a:rPr lang="en-US" sz="1400" b="0" i="1" smtClean="0">
-                                      <a:latin typeface="Cambria Math" panose="02040503050406030204" pitchFamily="18" charset="0"/>
-                                    </a:rPr>
-                                  </m:ctrlPr>
-                                </m:sSupPr>
-                                <m:e>
-                                  <m:r>
-                                    <a:rPr lang="en-US" sz="1400" b="0" i="1" smtClean="0">
-                                      <a:latin typeface="Cambria Math" panose="02040503050406030204" pitchFamily="18" charset="0"/>
-                                    </a:rPr>
-                                    <m:t>𝜎</m:t>
-                                  </m:r>
-                                </m:e>
-                                <m:sup>
-                                  <m:r>
-                                    <a:rPr lang="en-US" sz="1400" b="0" i="1" smtClean="0">
-                                      <a:latin typeface="Cambria Math" panose="02040503050406030204" pitchFamily="18" charset="0"/>
-                                    </a:rPr>
-                                    <m:t>+</m:t>
-                                  </m:r>
-                                </m:sup>
-                              </m:sSup>
-                            </m:den>
-                          </m:f>
-                          <m:r>
-                            <a:rPr lang="en-US" sz="1400" b="0" i="1" smtClean="0">
-                              <a:latin typeface="Cambria Math" panose="02040503050406030204" pitchFamily="18" charset="0"/>
-                            </a:rPr>
-                            <m:t>+</m:t>
-                          </m:r>
-                          <m:f>
-                            <m:fPr>
-                              <m:ctrlPr>
-                                <a:rPr lang="en-US" sz="1400" b="0" i="1" smtClean="0">
-                                  <a:latin typeface="Cambria Math" panose="02040503050406030204" pitchFamily="18" charset="0"/>
-                                </a:rPr>
-                              </m:ctrlPr>
-                            </m:fPr>
-                            <m:num>
-                              <m:sSup>
-                                <m:sSupPr>
-                                  <m:ctrlPr>
-                                    <a:rPr lang="en-US" sz="1400" b="0" i="1" smtClean="0">
-                                      <a:latin typeface="Cambria Math" panose="02040503050406030204" pitchFamily="18" charset="0"/>
-                                    </a:rPr>
-                                  </m:ctrlPr>
-                                </m:sSupPr>
-                                <m:e>
-                                  <m:r>
-                                    <a:rPr lang="en-US" sz="1400" b="0" i="1" smtClean="0">
-                                      <a:latin typeface="Cambria Math" panose="02040503050406030204" pitchFamily="18" charset="0"/>
-                                    </a:rPr>
-                                    <m:t>𝐿</m:t>
-                                  </m:r>
-                                </m:e>
-                                <m:sup>
-                                  <m:r>
-                                    <a:rPr lang="en-US" sz="1400" b="0" i="1" smtClean="0">
-                                      <a:latin typeface="Cambria Math" panose="02040503050406030204" pitchFamily="18" charset="0"/>
-                                    </a:rPr>
-                                    <m:t>−</m:t>
-                                  </m:r>
-                                </m:sup>
-                              </m:sSup>
-                            </m:num>
-                            <m:den>
-                              <m:sSup>
-                                <m:sSupPr>
-                                  <m:ctrlPr>
-                                    <a:rPr lang="en-US" sz="1400" b="0" i="1" smtClean="0">
-                                      <a:latin typeface="Cambria Math" panose="02040503050406030204" pitchFamily="18" charset="0"/>
-                                    </a:rPr>
-                                  </m:ctrlPr>
-                                </m:sSupPr>
-                                <m:e>
-                                  <m:r>
-                                    <a:rPr lang="en-US" sz="1400" b="0" i="1" smtClean="0">
-                                      <a:latin typeface="Cambria Math" panose="02040503050406030204" pitchFamily="18" charset="0"/>
-                                    </a:rPr>
-                                    <m:t>𝜎</m:t>
-                                  </m:r>
-                                </m:e>
-                                <m:sup>
-                                  <m:r>
-                                    <a:rPr lang="en-US" sz="1400" b="0" i="1" smtClean="0">
-                                      <a:latin typeface="Cambria Math" panose="02040503050406030204" pitchFamily="18" charset="0"/>
-                                    </a:rPr>
-                                    <m:t>−</m:t>
-                                  </m:r>
-                                </m:sup>
-                              </m:sSup>
-                            </m:den>
-                          </m:f>
-                        </m:e>
-                      </m:d>
-                      <m:r>
-                        <a:rPr lang="en-US" sz="1400" b="0" i="1" smtClean="0">
-                          <a:solidFill>
-                            <a:srgbClr val="FF0000"/>
-                          </a:solidFill>
-                          <a:latin typeface="Cambria Math" panose="02040503050406030204" pitchFamily="18" charset="0"/>
-                        </a:rPr>
-                        <m:t>𝐼</m:t>
-                      </m:r>
-                      <m:d>
-                        <m:dPr>
-                          <m:ctrlPr>
-                            <a:rPr lang="en-US" sz="1400" b="0" i="1" smtClean="0">
-                              <a:solidFill>
-                                <a:srgbClr val="FF0000"/>
-                              </a:solidFill>
-                              <a:latin typeface="Cambria Math" panose="02040503050406030204" pitchFamily="18" charset="0"/>
-                            </a:rPr>
-                          </m:ctrlPr>
-                        </m:dPr>
-                        <m:e>
-                          <m:r>
-                            <a:rPr lang="en-US" sz="1400" b="0" i="1" smtClean="0">
-                              <a:solidFill>
-                                <a:srgbClr val="FF0000"/>
-                              </a:solidFill>
                               <a:latin typeface="Cambria Math" panose="02040503050406030204" pitchFamily="18" charset="0"/>
                             </a:rPr>
                             <m:t>𝑡</m:t>
@@ -7483,6 +7518,35 @@
                           </m:r>
                         </m:e>
                       </m:nary>
+                      <m:r>
+                        <a:rPr lang="en-US" sz="1400" i="1">
+                          <a:latin typeface="Cambria Math" panose="02040503050406030204" pitchFamily="18" charset="0"/>
+                        </a:rPr>
+                        <m:t>−</m:t>
+                      </m:r>
+                      <m:r>
+                        <a:rPr lang="en-US" sz="1400" i="1">
+                          <a:latin typeface="Cambria Math" panose="02040503050406030204" pitchFamily="18" charset="0"/>
+                        </a:rPr>
+                        <m:t>𝑉</m:t>
+                      </m:r>
+                      <m:d>
+                        <m:dPr>
+                          <m:ctrlPr>
+                            <a:rPr lang="en-US" sz="1400" i="1">
+                              <a:latin typeface="Cambria Math" panose="02040503050406030204" pitchFamily="18" charset="0"/>
+                            </a:rPr>
+                          </m:ctrlPr>
+                        </m:dPr>
+                        <m:e>
+                          <m:r>
+                            <a:rPr lang="en-US" sz="1400" i="1">
+                              <a:latin typeface="Cambria Math" panose="02040503050406030204" pitchFamily="18" charset="0"/>
+                            </a:rPr>
+                            <m:t>𝑡</m:t>
+                          </m:r>
+                        </m:e>
+                      </m:d>
                     </m:oMath>
                   </m:oMathPara>
                 </a14:m>
@@ -7503,7 +7567,7 @@
             <p:spPr>
               <a:xfrm>
                 <a:off x="3528770" y="4416533"/>
-                <a:ext cx="6197466" cy="557845"/>
+                <a:ext cx="7099188" cy="557845"/>
               </a:xfrm>
               <a:prstGeom prst="rect">
                 <a:avLst/>
@@ -7530,8 +7594,8 @@
           </p:sp>
         </mc:Fallback>
       </mc:AlternateContent>
-      <mc:AlternateContent xmlns:mc="http://schemas.openxmlformats.org/markup-compatibility/2006">
-        <mc:Choice xmlns:a14="http://schemas.microsoft.com/office/drawing/2010/main" Requires="a14">
+      <mc:AlternateContent xmlns:mc="http://schemas.openxmlformats.org/markup-compatibility/2006" xmlns:a14="http://schemas.microsoft.com/office/drawing/2010/main">
+        <mc:Choice Requires="a14">
           <p:sp>
             <p:nvSpPr>
               <p:cNvPr id="19" name="Textfeld 18"/>
@@ -8754,7 +8818,7 @@
             </p:txBody>
           </p:sp>
         </mc:Choice>
-        <mc:Fallback>
+        <mc:Fallback xmlns="">
           <p:sp>
             <p:nvSpPr>
               <p:cNvPr id="19" name="Textfeld 18"/>
@@ -8793,8 +8857,8 @@
           </p:sp>
         </mc:Fallback>
       </mc:AlternateContent>
-      <mc:AlternateContent xmlns:mc="http://schemas.openxmlformats.org/markup-compatibility/2006">
-        <mc:Choice xmlns:a14="http://schemas.microsoft.com/office/drawing/2010/main" Requires="a14">
+      <mc:AlternateContent xmlns:mc="http://schemas.openxmlformats.org/markup-compatibility/2006" xmlns:a14="http://schemas.microsoft.com/office/drawing/2010/main">
+        <mc:Choice Requires="a14">
           <p:sp>
             <p:nvSpPr>
               <p:cNvPr id="20" name="Textfeld 19"/>
@@ -9319,7 +9383,7 @@
             </p:txBody>
           </p:sp>
         </mc:Choice>
-        <mc:Fallback>
+        <mc:Fallback xmlns="">
           <p:sp>
             <p:nvSpPr>
               <p:cNvPr id="20" name="Textfeld 19"/>
@@ -9362,6 +9426,876 @@
     <p:extLst>
       <p:ext uri="{BB962C8B-B14F-4D97-AF65-F5344CB8AC3E}">
         <p14:creationId xmlns:p14="http://schemas.microsoft.com/office/powerpoint/2010/main" val="3649617844"/>
+      </p:ext>
+    </p:extLst>
+  </p:cSld>
+  <p:clrMapOvr>
+    <a:masterClrMapping/>
+  </p:clrMapOvr>
+</p:sld>
+</file>
+
+<file path=ppt/slides/slide2.xml><?xml version="1.0" encoding="utf-8"?>
+<p:sld xmlns:a="http://schemas.openxmlformats.org/drawingml/2006/main" xmlns:r="http://schemas.openxmlformats.org/officeDocument/2006/relationships" xmlns:p="http://schemas.openxmlformats.org/presentationml/2006/main">
+  <p:cSld>
+    <p:spTree>
+      <p:nvGrpSpPr>
+        <p:cNvPr id="1" name=""/>
+        <p:cNvGrpSpPr/>
+        <p:nvPr/>
+      </p:nvGrpSpPr>
+      <p:grpSpPr>
+        <a:xfrm>
+          <a:off x="0" y="0"/>
+          <a:ext cx="0" cy="0"/>
+          <a:chOff x="0" y="0"/>
+          <a:chExt cx="0" cy="0"/>
+        </a:xfrm>
+      </p:grpSpPr>
+      <mc:AlternateContent xmlns:mc="http://schemas.openxmlformats.org/markup-compatibility/2006">
+        <mc:Choice xmlns:a14="http://schemas.microsoft.com/office/drawing/2010/main" Requires="a14">
+          <p:sp>
+            <p:nvSpPr>
+              <p:cNvPr id="4" name="Textfeld 3"/>
+              <p:cNvSpPr txBox="1"/>
+              <p:nvPr/>
+            </p:nvSpPr>
+            <p:spPr>
+              <a:xfrm>
+                <a:off x="5640185" y="2971800"/>
+                <a:ext cx="5075941" cy="715389"/>
+              </a:xfrm>
+              <a:prstGeom prst="rect">
+                <a:avLst/>
+              </a:prstGeom>
+              <a:noFill/>
+            </p:spPr>
+            <p:txBody>
+              <a:bodyPr wrap="none" lIns="0" tIns="0" rIns="0" bIns="0" rtlCol="0">
+                <a:spAutoFit/>
+              </a:bodyPr>
+              <a:lstStyle/>
+              <a:p>
+                <a14:m>
+                  <m:oMathPara xmlns:m="http://schemas.openxmlformats.org/officeDocument/2006/math">
+                    <m:oMathParaPr>
+                      <m:jc m:val="centerGroup"/>
+                    </m:oMathParaPr>
+                    <m:oMath xmlns:m="http://schemas.openxmlformats.org/officeDocument/2006/math">
+                      <m:sSub>
+                        <m:sSubPr>
+                          <m:ctrlPr>
+                            <a:rPr lang="en-US" b="0" i="1" smtClean="0">
+                              <a:latin typeface="Cambria Math" panose="02040503050406030204" pitchFamily="18" charset="0"/>
+                            </a:rPr>
+                          </m:ctrlPr>
+                        </m:sSubPr>
+                        <m:e>
+                          <m:d>
+                            <m:dPr>
+                              <m:begChr m:val="|"/>
+                              <m:endChr m:val="|"/>
+                              <m:ctrlPr>
+                                <a:rPr lang="en-US" b="0" i="1" smtClean="0">
+                                  <a:latin typeface="Cambria Math" panose="02040503050406030204" pitchFamily="18" charset="0"/>
+                                </a:rPr>
+                              </m:ctrlPr>
+                            </m:dPr>
+                            <m:e>
+                              <m:f>
+                                <m:fPr>
+                                  <m:ctrlPr>
+                                    <a:rPr lang="en-US" b="0" i="1" smtClean="0">
+                                      <a:latin typeface="Cambria Math" panose="02040503050406030204" pitchFamily="18" charset="0"/>
+                                    </a:rPr>
+                                  </m:ctrlPr>
+                                </m:fPr>
+                                <m:num>
+                                  <m:r>
+                                    <a:rPr lang="en-US" b="0" i="1" smtClean="0">
+                                      <a:latin typeface="Cambria Math" panose="02040503050406030204" pitchFamily="18" charset="0"/>
+                                    </a:rPr>
+                                    <m:t>𝜕</m:t>
+                                  </m:r>
+                                  <m:sSub>
+                                    <m:sSubPr>
+                                      <m:ctrlPr>
+                                        <a:rPr lang="en-US" b="0" i="1" smtClean="0">
+                                          <a:latin typeface="Cambria Math" panose="02040503050406030204" pitchFamily="18" charset="0"/>
+                                        </a:rPr>
+                                      </m:ctrlPr>
+                                    </m:sSubPr>
+                                    <m:e>
+                                      <m:r>
+                                        <a:rPr lang="en-US" b="0" i="1" smtClean="0">
+                                          <a:latin typeface="Cambria Math" panose="02040503050406030204" pitchFamily="18" charset="0"/>
+                                        </a:rPr>
+                                        <m:t>𝑐</m:t>
+                                      </m:r>
+                                    </m:e>
+                                    <m:sub>
+                                      <m:r>
+                                        <a:rPr lang="en-US" b="0" i="1" smtClean="0">
+                                          <a:latin typeface="Cambria Math" panose="02040503050406030204" pitchFamily="18" charset="0"/>
+                                        </a:rPr>
+                                        <m:t>𝑠</m:t>
+                                      </m:r>
+                                    </m:sub>
+                                  </m:sSub>
+                                  <m:d>
+                                    <m:dPr>
+                                      <m:ctrlPr>
+                                        <a:rPr lang="en-US" b="0" i="1" smtClean="0">
+                                          <a:latin typeface="Cambria Math" panose="02040503050406030204" pitchFamily="18" charset="0"/>
+                                        </a:rPr>
+                                      </m:ctrlPr>
+                                    </m:dPr>
+                                    <m:e>
+                                      <m:r>
+                                        <a:rPr lang="en-US" b="0" i="1" smtClean="0">
+                                          <a:latin typeface="Cambria Math" panose="02040503050406030204" pitchFamily="18" charset="0"/>
+                                        </a:rPr>
+                                        <m:t>𝑥</m:t>
+                                      </m:r>
+                                      <m:r>
+                                        <a:rPr lang="en-US" b="0" i="1" smtClean="0">
+                                          <a:latin typeface="Cambria Math" panose="02040503050406030204" pitchFamily="18" charset="0"/>
+                                        </a:rPr>
+                                        <m:t>,</m:t>
+                                      </m:r>
+                                      <m:r>
+                                        <a:rPr lang="en-US" b="0" i="1" smtClean="0">
+                                          <a:latin typeface="Cambria Math" panose="02040503050406030204" pitchFamily="18" charset="0"/>
+                                        </a:rPr>
+                                        <m:t>𝑟</m:t>
+                                      </m:r>
+                                      <m:r>
+                                        <a:rPr lang="en-US" b="0" i="1" smtClean="0">
+                                          <a:latin typeface="Cambria Math" panose="02040503050406030204" pitchFamily="18" charset="0"/>
+                                        </a:rPr>
+                                        <m:t>,</m:t>
+                                      </m:r>
+                                      <m:r>
+                                        <a:rPr lang="en-US" b="0" i="1" smtClean="0">
+                                          <a:latin typeface="Cambria Math" panose="02040503050406030204" pitchFamily="18" charset="0"/>
+                                        </a:rPr>
+                                        <m:t>𝑡</m:t>
+                                      </m:r>
+                                    </m:e>
+                                  </m:d>
+                                </m:num>
+                                <m:den>
+                                  <m:r>
+                                    <a:rPr lang="en-US" b="0" i="1" smtClean="0">
+                                      <a:latin typeface="Cambria Math" panose="02040503050406030204" pitchFamily="18" charset="0"/>
+                                    </a:rPr>
+                                    <m:t>𝜕</m:t>
+                                  </m:r>
+                                  <m:r>
+                                    <a:rPr lang="en-US" b="0" i="1" smtClean="0">
+                                      <a:latin typeface="Cambria Math" panose="02040503050406030204" pitchFamily="18" charset="0"/>
+                                    </a:rPr>
+                                    <m:t>𝑟</m:t>
+                                  </m:r>
+                                </m:den>
+                              </m:f>
+                              <m:r>
+                                <a:rPr lang="en-US" b="0" i="1" smtClean="0">
+                                  <a:latin typeface="Cambria Math" panose="02040503050406030204" pitchFamily="18" charset="0"/>
+                                </a:rPr>
+                                <m:t> </m:t>
+                              </m:r>
+                            </m:e>
+                          </m:d>
+                        </m:e>
+                        <m:sub>
+                          <m:r>
+                            <a:rPr lang="en-US" b="0" i="1" smtClean="0">
+                              <a:latin typeface="Cambria Math" panose="02040503050406030204" pitchFamily="18" charset="0"/>
+                            </a:rPr>
+                            <m:t>𝑟</m:t>
+                          </m:r>
+                          <m:r>
+                            <a:rPr lang="en-US" b="0" i="1" smtClean="0">
+                              <a:latin typeface="Cambria Math" panose="02040503050406030204" pitchFamily="18" charset="0"/>
+                            </a:rPr>
+                            <m:t>=</m:t>
+                          </m:r>
+                          <m:sSub>
+                            <m:sSubPr>
+                              <m:ctrlPr>
+                                <a:rPr lang="en-US" b="0" i="1" smtClean="0">
+                                  <a:latin typeface="Cambria Math" panose="02040503050406030204" pitchFamily="18" charset="0"/>
+                                </a:rPr>
+                              </m:ctrlPr>
+                            </m:sSubPr>
+                            <m:e>
+                              <m:r>
+                                <a:rPr lang="en-US" b="0" i="1" smtClean="0">
+                                  <a:latin typeface="Cambria Math" panose="02040503050406030204" pitchFamily="18" charset="0"/>
+                                </a:rPr>
+                                <m:t>𝑅</m:t>
+                              </m:r>
+                            </m:e>
+                            <m:sub>
+                              <m:r>
+                                <a:rPr lang="en-US" b="0" i="1" smtClean="0">
+                                  <a:latin typeface="Cambria Math" panose="02040503050406030204" pitchFamily="18" charset="0"/>
+                                </a:rPr>
+                                <m:t>𝑝</m:t>
+                              </m:r>
+                            </m:sub>
+                          </m:sSub>
+                        </m:sub>
+                      </m:sSub>
+                      <m:r>
+                        <a:rPr lang="en-US" b="0" i="1" smtClean="0">
+                          <a:latin typeface="Cambria Math" panose="02040503050406030204" pitchFamily="18" charset="0"/>
+                        </a:rPr>
+                        <m:t>=−</m:t>
+                      </m:r>
+                      <m:f>
+                        <m:fPr>
+                          <m:ctrlPr>
+                            <a:rPr lang="en-US" b="0" i="1" smtClean="0">
+                              <a:latin typeface="Cambria Math" panose="02040503050406030204" pitchFamily="18" charset="0"/>
+                            </a:rPr>
+                          </m:ctrlPr>
+                        </m:fPr>
+                        <m:num>
+                          <m:r>
+                            <a:rPr lang="en-US" b="0" i="1" smtClean="0">
+                              <a:latin typeface="Cambria Math" panose="02040503050406030204" pitchFamily="18" charset="0"/>
+                            </a:rPr>
+                            <m:t>1</m:t>
+                          </m:r>
+                        </m:num>
+                        <m:den>
+                          <m:sSub>
+                            <m:sSubPr>
+                              <m:ctrlPr>
+                                <a:rPr lang="en-US" b="0" i="1" smtClean="0">
+                                  <a:latin typeface="Cambria Math" panose="02040503050406030204" pitchFamily="18" charset="0"/>
+                                </a:rPr>
+                              </m:ctrlPr>
+                            </m:sSubPr>
+                            <m:e>
+                              <m:r>
+                                <a:rPr lang="en-US" b="0" i="1" smtClean="0">
+                                  <a:latin typeface="Cambria Math" panose="02040503050406030204" pitchFamily="18" charset="0"/>
+                                </a:rPr>
+                                <m:t>𝐷</m:t>
+                              </m:r>
+                            </m:e>
+                            <m:sub>
+                              <m:r>
+                                <a:rPr lang="en-US" b="0" i="1" smtClean="0">
+                                  <a:latin typeface="Cambria Math" panose="02040503050406030204" pitchFamily="18" charset="0"/>
+                                </a:rPr>
+                                <m:t>𝑠</m:t>
+                              </m:r>
+                            </m:sub>
+                          </m:sSub>
+                        </m:den>
+                      </m:f>
+                      <m:sSub>
+                        <m:sSubPr>
+                          <m:ctrlPr>
+                            <a:rPr lang="en-US" b="0" i="1" smtClean="0">
+                              <a:latin typeface="Cambria Math" panose="02040503050406030204" pitchFamily="18" charset="0"/>
+                            </a:rPr>
+                          </m:ctrlPr>
+                        </m:sSubPr>
+                        <m:e>
+                          <m:r>
+                            <a:rPr lang="en-US" b="0" i="1" smtClean="0">
+                              <a:latin typeface="Cambria Math" panose="02040503050406030204" pitchFamily="18" charset="0"/>
+                            </a:rPr>
+                            <m:t>𝑗</m:t>
+                          </m:r>
+                        </m:e>
+                        <m:sub>
+                          <m:r>
+                            <a:rPr lang="en-US" b="0" i="1" smtClean="0">
+                              <a:latin typeface="Cambria Math" panose="02040503050406030204" pitchFamily="18" charset="0"/>
+                            </a:rPr>
+                            <m:t>𝑛</m:t>
+                          </m:r>
+                        </m:sub>
+                      </m:sSub>
+                      <m:d>
+                        <m:dPr>
+                          <m:ctrlPr>
+                            <a:rPr lang="en-US" b="0" i="1" smtClean="0">
+                              <a:latin typeface="Cambria Math" panose="02040503050406030204" pitchFamily="18" charset="0"/>
+                            </a:rPr>
+                          </m:ctrlPr>
+                        </m:dPr>
+                        <m:e>
+                          <m:r>
+                            <a:rPr lang="en-US" b="0" i="1" smtClean="0">
+                              <a:latin typeface="Cambria Math" panose="02040503050406030204" pitchFamily="18" charset="0"/>
+                            </a:rPr>
+                            <m:t>𝑥</m:t>
+                          </m:r>
+                          <m:r>
+                            <a:rPr lang="en-US" b="0" i="1" smtClean="0">
+                              <a:latin typeface="Cambria Math" panose="02040503050406030204" pitchFamily="18" charset="0"/>
+                            </a:rPr>
+                            <m:t>,</m:t>
+                          </m:r>
+                          <m:r>
+                            <a:rPr lang="en-US" b="0" i="1" smtClean="0">
+                              <a:latin typeface="Cambria Math" panose="02040503050406030204" pitchFamily="18" charset="0"/>
+                            </a:rPr>
+                            <m:t>𝑡</m:t>
+                          </m:r>
+                        </m:e>
+                      </m:d>
+                      <m:r>
+                        <a:rPr lang="en-US" b="0" i="1" smtClean="0">
+                          <a:latin typeface="Cambria Math" panose="02040503050406030204" pitchFamily="18" charset="0"/>
+                        </a:rPr>
+                        <m:t>=−</m:t>
+                      </m:r>
+                      <m:f>
+                        <m:fPr>
+                          <m:ctrlPr>
+                            <a:rPr lang="en-US" b="0" i="1" smtClean="0">
+                              <a:latin typeface="Cambria Math" panose="02040503050406030204" pitchFamily="18" charset="0"/>
+                            </a:rPr>
+                          </m:ctrlPr>
+                        </m:fPr>
+                        <m:num>
+                          <m:r>
+                            <a:rPr lang="en-US" b="0" i="1" smtClean="0">
+                              <a:latin typeface="Cambria Math" panose="02040503050406030204" pitchFamily="18" charset="0"/>
+                            </a:rPr>
+                            <m:t>1</m:t>
+                          </m:r>
+                        </m:num>
+                        <m:den>
+                          <m:r>
+                            <a:rPr lang="en-US" b="0" i="1" smtClean="0">
+                              <a:latin typeface="Cambria Math" panose="02040503050406030204" pitchFamily="18" charset="0"/>
+                            </a:rPr>
+                            <m:t>𝑎𝐹</m:t>
+                          </m:r>
+                          <m:sSub>
+                            <m:sSubPr>
+                              <m:ctrlPr>
+                                <a:rPr lang="en-US" b="0" i="1" smtClean="0">
+                                  <a:latin typeface="Cambria Math" panose="02040503050406030204" pitchFamily="18" charset="0"/>
+                                </a:rPr>
+                              </m:ctrlPr>
+                            </m:sSubPr>
+                            <m:e>
+                              <m:r>
+                                <a:rPr lang="en-US" b="0" i="1" smtClean="0">
+                                  <a:latin typeface="Cambria Math" panose="02040503050406030204" pitchFamily="18" charset="0"/>
+                                </a:rPr>
+                                <m:t>𝐷</m:t>
+                              </m:r>
+                            </m:e>
+                            <m:sub>
+                              <m:r>
+                                <a:rPr lang="en-US" b="0" i="1" smtClean="0">
+                                  <a:latin typeface="Cambria Math" panose="02040503050406030204" pitchFamily="18" charset="0"/>
+                                </a:rPr>
+                                <m:t>𝑠</m:t>
+                              </m:r>
+                            </m:sub>
+                          </m:sSub>
+                        </m:den>
+                      </m:f>
+                      <m:f>
+                        <m:fPr>
+                          <m:ctrlPr>
+                            <a:rPr lang="en-US" b="0" i="1" smtClean="0">
+                              <a:latin typeface="Cambria Math" panose="02040503050406030204" pitchFamily="18" charset="0"/>
+                            </a:rPr>
+                          </m:ctrlPr>
+                        </m:fPr>
+                        <m:num>
+                          <m:r>
+                            <a:rPr lang="en-US" b="0" i="1" smtClean="0">
+                              <a:latin typeface="Cambria Math" panose="02040503050406030204" pitchFamily="18" charset="0"/>
+                            </a:rPr>
+                            <m:t>𝜕</m:t>
+                          </m:r>
+                          <m:sSub>
+                            <m:sSubPr>
+                              <m:ctrlPr>
+                                <a:rPr lang="en-US" b="0" i="1" smtClean="0">
+                                  <a:latin typeface="Cambria Math" panose="02040503050406030204" pitchFamily="18" charset="0"/>
+                                </a:rPr>
+                              </m:ctrlPr>
+                            </m:sSubPr>
+                            <m:e>
+                              <m:r>
+                                <a:rPr lang="en-US" b="0" i="1" smtClean="0">
+                                  <a:latin typeface="Cambria Math" panose="02040503050406030204" pitchFamily="18" charset="0"/>
+                                </a:rPr>
+                                <m:t>𝑖</m:t>
+                              </m:r>
+                            </m:e>
+                            <m:sub>
+                              <m:r>
+                                <a:rPr lang="en-US" b="0" i="1" smtClean="0">
+                                  <a:latin typeface="Cambria Math" panose="02040503050406030204" pitchFamily="18" charset="0"/>
+                                </a:rPr>
+                                <m:t>𝑙</m:t>
+                              </m:r>
+                            </m:sub>
+                          </m:sSub>
+                          <m:d>
+                            <m:dPr>
+                              <m:ctrlPr>
+                                <a:rPr lang="en-US" b="0" i="1" smtClean="0">
+                                  <a:latin typeface="Cambria Math" panose="02040503050406030204" pitchFamily="18" charset="0"/>
+                                </a:rPr>
+                              </m:ctrlPr>
+                            </m:dPr>
+                            <m:e>
+                              <m:r>
+                                <a:rPr lang="en-US" b="0" i="1" smtClean="0">
+                                  <a:latin typeface="Cambria Math" panose="02040503050406030204" pitchFamily="18" charset="0"/>
+                                </a:rPr>
+                                <m:t>𝑥</m:t>
+                              </m:r>
+                              <m:r>
+                                <a:rPr lang="en-US" b="0" i="1" smtClean="0">
+                                  <a:latin typeface="Cambria Math" panose="02040503050406030204" pitchFamily="18" charset="0"/>
+                                </a:rPr>
+                                <m:t>,</m:t>
+                              </m:r>
+                              <m:r>
+                                <a:rPr lang="en-US" b="0" i="1" smtClean="0">
+                                  <a:latin typeface="Cambria Math" panose="02040503050406030204" pitchFamily="18" charset="0"/>
+                                </a:rPr>
+                                <m:t>𝑡</m:t>
+                              </m:r>
+                            </m:e>
+                          </m:d>
+                        </m:num>
+                        <m:den>
+                          <m:r>
+                            <a:rPr lang="en-US" b="0" i="1" smtClean="0">
+                              <a:latin typeface="Cambria Math" panose="02040503050406030204" pitchFamily="18" charset="0"/>
+                            </a:rPr>
+                            <m:t>𝜕</m:t>
+                          </m:r>
+                          <m:r>
+                            <a:rPr lang="en-US" b="0" i="1" smtClean="0">
+                              <a:latin typeface="Cambria Math" panose="02040503050406030204" pitchFamily="18" charset="0"/>
+                            </a:rPr>
+                            <m:t>𝑥</m:t>
+                          </m:r>
+                        </m:den>
+                      </m:f>
+                    </m:oMath>
+                  </m:oMathPara>
+                </a14:m>
+                <a:endParaRPr lang="de-DE" dirty="0"/>
+              </a:p>
+            </p:txBody>
+          </p:sp>
+        </mc:Choice>
+        <mc:Fallback>
+          <p:sp>
+            <p:nvSpPr>
+              <p:cNvPr id="4" name="Textfeld 3"/>
+              <p:cNvSpPr txBox="1">
+                <a:spLocks noRot="1" noChangeAspect="1" noMove="1" noResize="1" noEditPoints="1" noAdjustHandles="1" noChangeArrowheads="1" noChangeShapeType="1" noTextEdit="1"/>
+              </p:cNvSpPr>
+              <p:nvPr/>
+            </p:nvSpPr>
+            <p:spPr>
+              <a:xfrm>
+                <a:off x="5640185" y="2971800"/>
+                <a:ext cx="5075941" cy="715389"/>
+              </a:xfrm>
+              <a:prstGeom prst="rect">
+                <a:avLst/>
+              </a:prstGeom>
+              <a:blipFill>
+                <a:blip r:embed="rId2"/>
+                <a:stretch>
+                  <a:fillRect b="-855"/>
+                </a:stretch>
+              </a:blipFill>
+            </p:spPr>
+            <p:txBody>
+              <a:bodyPr/>
+              <a:lstStyle/>
+              <a:p>
+                <a:r>
+                  <a:rPr lang="de-DE">
+                    <a:noFill/>
+                  </a:rPr>
+                  <a:t> </a:t>
+                </a:r>
+              </a:p>
+            </p:txBody>
+          </p:sp>
+        </mc:Fallback>
+      </mc:AlternateContent>
+      <mc:AlternateContent xmlns:mc="http://schemas.openxmlformats.org/markup-compatibility/2006">
+        <mc:Choice xmlns:a14="http://schemas.microsoft.com/office/drawing/2010/main" Requires="a14">
+          <p:sp>
+            <p:nvSpPr>
+              <p:cNvPr id="5" name="Textfeld 4"/>
+              <p:cNvSpPr txBox="1"/>
+              <p:nvPr/>
+            </p:nvSpPr>
+            <p:spPr>
+              <a:xfrm>
+                <a:off x="4869871" y="4703618"/>
+                <a:ext cx="4282441" cy="1160446"/>
+              </a:xfrm>
+              <a:prstGeom prst="rect">
+                <a:avLst/>
+              </a:prstGeom>
+              <a:noFill/>
+            </p:spPr>
+            <p:txBody>
+              <a:bodyPr wrap="square" lIns="0" tIns="0" rIns="0" bIns="0" rtlCol="0">
+                <a:spAutoFit/>
+              </a:bodyPr>
+              <a:lstStyle/>
+              <a:p>
+                <a14:m>
+                  <m:oMathPara xmlns:m="http://schemas.openxmlformats.org/officeDocument/2006/math">
+                    <m:oMathParaPr>
+                      <m:jc m:val="centerGroup"/>
+                    </m:oMathParaPr>
+                    <m:oMath xmlns:m="http://schemas.openxmlformats.org/officeDocument/2006/math">
+                      <m:f>
+                        <m:fPr>
+                          <m:ctrlPr>
+                            <a:rPr lang="en-US" i="1" smtClean="0">
+                              <a:latin typeface="Cambria Math" panose="02040503050406030204" pitchFamily="18" charset="0"/>
+                            </a:rPr>
+                          </m:ctrlPr>
+                        </m:fPr>
+                        <m:num>
+                          <m:r>
+                            <a:rPr lang="en-US" i="1">
+                              <a:latin typeface="Cambria Math" panose="02040503050406030204" pitchFamily="18" charset="0"/>
+                            </a:rPr>
+                            <m:t>𝜕</m:t>
+                          </m:r>
+                          <m:sSub>
+                            <m:sSubPr>
+                              <m:ctrlPr>
+                                <a:rPr lang="en-US" i="1">
+                                  <a:latin typeface="Cambria Math" panose="02040503050406030204" pitchFamily="18" charset="0"/>
+                                </a:rPr>
+                              </m:ctrlPr>
+                            </m:sSubPr>
+                            <m:e>
+                              <m:r>
+                                <a:rPr lang="en-US" i="1">
+                                  <a:latin typeface="Cambria Math" panose="02040503050406030204" pitchFamily="18" charset="0"/>
+                                </a:rPr>
+                                <m:t>𝑖</m:t>
+                              </m:r>
+                            </m:e>
+                            <m:sub>
+                              <m:r>
+                                <a:rPr lang="en-US" i="1">
+                                  <a:latin typeface="Cambria Math" panose="02040503050406030204" pitchFamily="18" charset="0"/>
+                                </a:rPr>
+                                <m:t>𝑙</m:t>
+                              </m:r>
+                            </m:sub>
+                          </m:sSub>
+                          <m:d>
+                            <m:dPr>
+                              <m:ctrlPr>
+                                <a:rPr lang="en-US" i="1">
+                                  <a:latin typeface="Cambria Math" panose="02040503050406030204" pitchFamily="18" charset="0"/>
+                                </a:rPr>
+                              </m:ctrlPr>
+                            </m:dPr>
+                            <m:e>
+                              <m:r>
+                                <a:rPr lang="en-US" i="1">
+                                  <a:latin typeface="Cambria Math" panose="02040503050406030204" pitchFamily="18" charset="0"/>
+                                </a:rPr>
+                                <m:t>𝑥</m:t>
+                              </m:r>
+                              <m:r>
+                                <a:rPr lang="en-US" i="1">
+                                  <a:latin typeface="Cambria Math" panose="02040503050406030204" pitchFamily="18" charset="0"/>
+                                </a:rPr>
+                                <m:t>,</m:t>
+                              </m:r>
+                              <m:r>
+                                <a:rPr lang="en-US" i="1">
+                                  <a:latin typeface="Cambria Math" panose="02040503050406030204" pitchFamily="18" charset="0"/>
+                                </a:rPr>
+                                <m:t>𝑡</m:t>
+                              </m:r>
+                            </m:e>
+                          </m:d>
+                        </m:num>
+                        <m:den>
+                          <m:r>
+                            <a:rPr lang="en-US" i="1">
+                              <a:latin typeface="Cambria Math" panose="02040503050406030204" pitchFamily="18" charset="0"/>
+                            </a:rPr>
+                            <m:t>𝜕</m:t>
+                          </m:r>
+                          <m:r>
+                            <a:rPr lang="en-US" i="1">
+                              <a:latin typeface="Cambria Math" panose="02040503050406030204" pitchFamily="18" charset="0"/>
+                            </a:rPr>
+                            <m:t>𝑥</m:t>
+                          </m:r>
+                        </m:den>
+                      </m:f>
+                      <m:r>
+                        <a:rPr lang="en-US" b="0" i="1" smtClean="0">
+                          <a:latin typeface="Cambria Math" panose="02040503050406030204" pitchFamily="18" charset="0"/>
+                        </a:rPr>
+                        <m:t>=</m:t>
+                      </m:r>
+                      <m:r>
+                        <a:rPr lang="en-US" b="0" i="1" smtClean="0">
+                          <a:latin typeface="Cambria Math" panose="02040503050406030204" pitchFamily="18" charset="0"/>
+                        </a:rPr>
+                        <m:t>𝑎𝐹</m:t>
+                      </m:r>
+                      <m:sSub>
+                        <m:sSubPr>
+                          <m:ctrlPr>
+                            <a:rPr lang="en-US" b="0" i="1" smtClean="0">
+                              <a:latin typeface="Cambria Math" panose="02040503050406030204" pitchFamily="18" charset="0"/>
+                            </a:rPr>
+                          </m:ctrlPr>
+                        </m:sSubPr>
+                        <m:e>
+                          <m:r>
+                            <a:rPr lang="en-US" b="0" i="1" smtClean="0">
+                              <a:latin typeface="Cambria Math" panose="02040503050406030204" pitchFamily="18" charset="0"/>
+                            </a:rPr>
+                            <m:t>𝑗</m:t>
+                          </m:r>
+                        </m:e>
+                        <m:sub>
+                          <m:r>
+                            <a:rPr lang="en-US" b="0" i="1" smtClean="0">
+                              <a:latin typeface="Cambria Math" panose="02040503050406030204" pitchFamily="18" charset="0"/>
+                            </a:rPr>
+                            <m:t>𝑛</m:t>
+                          </m:r>
+                        </m:sub>
+                      </m:sSub>
+                      <m:d>
+                        <m:dPr>
+                          <m:ctrlPr>
+                            <a:rPr lang="en-US" b="0" i="1" smtClean="0">
+                              <a:latin typeface="Cambria Math" panose="02040503050406030204" pitchFamily="18" charset="0"/>
+                            </a:rPr>
+                          </m:ctrlPr>
+                        </m:dPr>
+                        <m:e>
+                          <m:r>
+                            <a:rPr lang="en-US" b="0" i="1" smtClean="0">
+                              <a:latin typeface="Cambria Math" panose="02040503050406030204" pitchFamily="18" charset="0"/>
+                            </a:rPr>
+                            <m:t>𝑥</m:t>
+                          </m:r>
+                          <m:r>
+                            <a:rPr lang="en-US" b="0" i="1" smtClean="0">
+                              <a:latin typeface="Cambria Math" panose="02040503050406030204" pitchFamily="18" charset="0"/>
+                            </a:rPr>
+                            <m:t>,</m:t>
+                          </m:r>
+                          <m:r>
+                            <a:rPr lang="en-US" b="0" i="1" smtClean="0">
+                              <a:latin typeface="Cambria Math" panose="02040503050406030204" pitchFamily="18" charset="0"/>
+                            </a:rPr>
+                            <m:t>𝑡</m:t>
+                          </m:r>
+                        </m:e>
+                      </m:d>
+                    </m:oMath>
+                    <m:oMath xmlns:m="http://schemas.openxmlformats.org/officeDocument/2006/math">
+                      <m:r>
+                        <a:rPr lang="en-US" b="0" i="1" smtClean="0">
+                          <a:latin typeface="Cambria Math" panose="02040503050406030204" pitchFamily="18" charset="0"/>
+                        </a:rPr>
+                        <m:t>𝐼</m:t>
+                      </m:r>
+                      <m:d>
+                        <m:dPr>
+                          <m:ctrlPr>
+                            <a:rPr lang="en-US" b="0" i="1" smtClean="0">
+                              <a:latin typeface="Cambria Math" panose="02040503050406030204" pitchFamily="18" charset="0"/>
+                            </a:rPr>
+                          </m:ctrlPr>
+                        </m:dPr>
+                        <m:e>
+                          <m:r>
+                            <a:rPr lang="en-US" b="0" i="1" smtClean="0">
+                              <a:latin typeface="Cambria Math" panose="02040503050406030204" pitchFamily="18" charset="0"/>
+                            </a:rPr>
+                            <m:t>𝑡</m:t>
+                          </m:r>
+                        </m:e>
+                      </m:d>
+                      <m:r>
+                        <a:rPr lang="en-US" b="0" i="1" smtClean="0">
+                          <a:latin typeface="Cambria Math" panose="02040503050406030204" pitchFamily="18" charset="0"/>
+                        </a:rPr>
+                        <m:t>=</m:t>
+                      </m:r>
+                      <m:r>
+                        <a:rPr lang="en-US" b="0" i="1" smtClean="0">
+                          <a:latin typeface="Cambria Math" panose="02040503050406030204" pitchFamily="18" charset="0"/>
+                        </a:rPr>
+                        <m:t>𝑎𝐹</m:t>
+                      </m:r>
+                      <m:nary>
+                        <m:naryPr>
+                          <m:ctrlPr>
+                            <a:rPr lang="en-US" b="0" i="1" smtClean="0">
+                              <a:latin typeface="Cambria Math" panose="02040503050406030204" pitchFamily="18" charset="0"/>
+                            </a:rPr>
+                          </m:ctrlPr>
+                        </m:naryPr>
+                        <m:sub>
+                          <m:r>
+                            <a:rPr lang="en-US" b="0" i="1" smtClean="0">
+                              <a:latin typeface="Cambria Math" panose="02040503050406030204" pitchFamily="18" charset="0"/>
+                            </a:rPr>
+                            <m:t>0</m:t>
+                          </m:r>
+                        </m:sub>
+                        <m:sup>
+                          <m:r>
+                            <a:rPr lang="en-US" b="0" i="1" smtClean="0">
+                              <a:latin typeface="Cambria Math" panose="02040503050406030204" pitchFamily="18" charset="0"/>
+                            </a:rPr>
+                            <m:t>𝐿</m:t>
+                          </m:r>
+                        </m:sup>
+                        <m:e>
+                          <m:sSub>
+                            <m:sSubPr>
+                              <m:ctrlPr>
+                                <a:rPr lang="en-US" b="0" i="1" smtClean="0">
+                                  <a:latin typeface="Cambria Math" panose="02040503050406030204" pitchFamily="18" charset="0"/>
+                                </a:rPr>
+                              </m:ctrlPr>
+                            </m:sSubPr>
+                            <m:e>
+                              <m:r>
+                                <a:rPr lang="en-US" b="0" i="1" smtClean="0">
+                                  <a:latin typeface="Cambria Math" panose="02040503050406030204" pitchFamily="18" charset="0"/>
+                                </a:rPr>
+                                <m:t>𝑗</m:t>
+                              </m:r>
+                            </m:e>
+                            <m:sub>
+                              <m:r>
+                                <a:rPr lang="en-US" b="0" i="1" smtClean="0">
+                                  <a:latin typeface="Cambria Math" panose="02040503050406030204" pitchFamily="18" charset="0"/>
+                                </a:rPr>
+                                <m:t>𝑛</m:t>
+                              </m:r>
+                            </m:sub>
+                          </m:sSub>
+                          <m:d>
+                            <m:dPr>
+                              <m:ctrlPr>
+                                <a:rPr lang="en-US" b="0" i="1" smtClean="0">
+                                  <a:latin typeface="Cambria Math" panose="02040503050406030204" pitchFamily="18" charset="0"/>
+                                </a:rPr>
+                              </m:ctrlPr>
+                            </m:dPr>
+                            <m:e>
+                              <m:r>
+                                <a:rPr lang="en-US" b="0" i="1" smtClean="0">
+                                  <a:latin typeface="Cambria Math" panose="02040503050406030204" pitchFamily="18" charset="0"/>
+                                </a:rPr>
+                                <m:t>𝑥</m:t>
+                              </m:r>
+                              <m:r>
+                                <a:rPr lang="en-US" b="0" i="1" smtClean="0">
+                                  <a:latin typeface="Cambria Math" panose="02040503050406030204" pitchFamily="18" charset="0"/>
+                                </a:rPr>
+                                <m:t>,</m:t>
+                              </m:r>
+                              <m:r>
+                                <a:rPr lang="en-US" b="0" i="1" smtClean="0">
+                                  <a:latin typeface="Cambria Math" panose="02040503050406030204" pitchFamily="18" charset="0"/>
+                                </a:rPr>
+                                <m:t>𝑡</m:t>
+                              </m:r>
+                            </m:e>
+                          </m:d>
+                          <m:r>
+                            <a:rPr lang="en-US" b="0" i="1" smtClean="0">
+                              <a:latin typeface="Cambria Math" panose="02040503050406030204" pitchFamily="18" charset="0"/>
+                            </a:rPr>
+                            <m:t>𝑑𝑥</m:t>
+                          </m:r>
+                        </m:e>
+                      </m:nary>
+                    </m:oMath>
+                  </m:oMathPara>
+                </a14:m>
+                <a:endParaRPr lang="de-DE" dirty="0"/>
+              </a:p>
+            </p:txBody>
+          </p:sp>
+        </mc:Choice>
+        <mc:Fallback>
+          <p:sp>
+            <p:nvSpPr>
+              <p:cNvPr id="5" name="Textfeld 4"/>
+              <p:cNvSpPr txBox="1">
+                <a:spLocks noRot="1" noChangeAspect="1" noMove="1" noResize="1" noEditPoints="1" noAdjustHandles="1" noChangeArrowheads="1" noChangeShapeType="1" noTextEdit="1"/>
+              </p:cNvSpPr>
+              <p:nvPr/>
+            </p:nvSpPr>
+            <p:spPr>
+              <a:xfrm>
+                <a:off x="4869871" y="4703618"/>
+                <a:ext cx="4282441" cy="1160446"/>
+              </a:xfrm>
+              <a:prstGeom prst="rect">
+                <a:avLst/>
+              </a:prstGeom>
+              <a:blipFill>
+                <a:blip r:embed="rId3"/>
+                <a:stretch>
+                  <a:fillRect/>
+                </a:stretch>
+              </a:blipFill>
+            </p:spPr>
+            <p:txBody>
+              <a:bodyPr/>
+              <a:lstStyle/>
+              <a:p>
+                <a:r>
+                  <a:rPr lang="de-DE">
+                    <a:noFill/>
+                  </a:rPr>
+                  <a:t> </a:t>
+                </a:r>
+              </a:p>
+            </p:txBody>
+          </p:sp>
+        </mc:Fallback>
+      </mc:AlternateContent>
+    </p:spTree>
+    <p:extLst>
+      <p:ext uri="{BB962C8B-B14F-4D97-AF65-F5344CB8AC3E}">
+        <p14:creationId xmlns:p14="http://schemas.microsoft.com/office/powerpoint/2010/main" val="3806777201"/>
       </p:ext>
     </p:extLst>
   </p:cSld>
